--- a/Куц К13.pptx
+++ b/Куц К13.pptx
@@ -5,7 +5,7 @@
     <p:sldMasterId id="2147483768" r:id="rId1"/>
   </p:sldMasterIdLst>
   <p:notesMasterIdLst>
-    <p:notesMasterId r:id="rId26"/>
+    <p:notesMasterId r:id="rId28"/>
   </p:notesMasterIdLst>
   <p:sldIdLst>
     <p:sldId id="271" r:id="rId2"/>
@@ -16,22 +16,24 @@
     <p:sldId id="290" r:id="rId7"/>
     <p:sldId id="293" r:id="rId8"/>
     <p:sldId id="295" r:id="rId9"/>
-    <p:sldId id="292" r:id="rId10"/>
-    <p:sldId id="291" r:id="rId11"/>
-    <p:sldId id="294" r:id="rId12"/>
-    <p:sldId id="296" r:id="rId13"/>
-    <p:sldId id="302" r:id="rId14"/>
-    <p:sldId id="297" r:id="rId15"/>
-    <p:sldId id="298" r:id="rId16"/>
-    <p:sldId id="299" r:id="rId17"/>
-    <p:sldId id="306" r:id="rId18"/>
-    <p:sldId id="301" r:id="rId19"/>
-    <p:sldId id="300" r:id="rId20"/>
-    <p:sldId id="307" r:id="rId21"/>
-    <p:sldId id="305" r:id="rId22"/>
-    <p:sldId id="304" r:id="rId23"/>
-    <p:sldId id="303" r:id="rId24"/>
-    <p:sldId id="272" r:id="rId25"/>
+    <p:sldId id="309" r:id="rId10"/>
+    <p:sldId id="292" r:id="rId11"/>
+    <p:sldId id="291" r:id="rId12"/>
+    <p:sldId id="294" r:id="rId13"/>
+    <p:sldId id="296" r:id="rId14"/>
+    <p:sldId id="308" r:id="rId15"/>
+    <p:sldId id="302" r:id="rId16"/>
+    <p:sldId id="297" r:id="rId17"/>
+    <p:sldId id="298" r:id="rId18"/>
+    <p:sldId id="299" r:id="rId19"/>
+    <p:sldId id="306" r:id="rId20"/>
+    <p:sldId id="301" r:id="rId21"/>
+    <p:sldId id="300" r:id="rId22"/>
+    <p:sldId id="307" r:id="rId23"/>
+    <p:sldId id="305" r:id="rId24"/>
+    <p:sldId id="304" r:id="rId25"/>
+    <p:sldId id="303" r:id="rId26"/>
+    <p:sldId id="272" r:id="rId27"/>
   </p:sldIdLst>
   <p:sldSz cx="9144000" cy="6858000" type="screen4x3"/>
   <p:notesSz cx="6858000" cy="9144000"/>
@@ -236,7 +238,7 @@
             <a:fld id="{0997EBC1-9108-4C13-8647-639457080EBD}" type="datetimeFigureOut">
               <a:rPr lang="ru-RU" smtClean="0"/>
               <a:pPr/>
-              <a:t>28.05.2017</a:t>
+              <a:t>11.06.2017</a:t>
             </a:fld>
             <a:endParaRPr lang="ru-RU"/>
           </a:p>
@@ -763,7 +765,7 @@
             <a:fld id="{2F62B7FE-0F1B-44BD-8AF1-BD879AF3DFFD}" type="datetimeFigureOut">
               <a:rPr lang="ru-RU" smtClean="0"/>
               <a:pPr/>
-              <a:t>28.05.2017</a:t>
+              <a:t>11.06.2017</a:t>
             </a:fld>
             <a:endParaRPr lang="ru-RU"/>
           </a:p>
@@ -928,7 +930,7 @@
             <a:fld id="{2F62B7FE-0F1B-44BD-8AF1-BD879AF3DFFD}" type="datetimeFigureOut">
               <a:rPr lang="ru-RU" smtClean="0"/>
               <a:pPr/>
-              <a:t>28.05.2017</a:t>
+              <a:t>11.06.2017</a:t>
             </a:fld>
             <a:endParaRPr lang="ru-RU"/>
           </a:p>
@@ -1103,7 +1105,7 @@
             <a:fld id="{2F62B7FE-0F1B-44BD-8AF1-BD879AF3DFFD}" type="datetimeFigureOut">
               <a:rPr lang="ru-RU" smtClean="0"/>
               <a:pPr/>
-              <a:t>28.05.2017</a:t>
+              <a:t>11.06.2017</a:t>
             </a:fld>
             <a:endParaRPr lang="ru-RU"/>
           </a:p>
@@ -1268,7 +1270,7 @@
             <a:fld id="{2F62B7FE-0F1B-44BD-8AF1-BD879AF3DFFD}" type="datetimeFigureOut">
               <a:rPr lang="ru-RU" smtClean="0"/>
               <a:pPr/>
-              <a:t>28.05.2017</a:t>
+              <a:t>11.06.2017</a:t>
             </a:fld>
             <a:endParaRPr lang="ru-RU"/>
           </a:p>
@@ -1510,7 +1512,7 @@
             <a:fld id="{2F62B7FE-0F1B-44BD-8AF1-BD879AF3DFFD}" type="datetimeFigureOut">
               <a:rPr lang="ru-RU" smtClean="0"/>
               <a:pPr/>
-              <a:t>28.05.2017</a:t>
+              <a:t>11.06.2017</a:t>
             </a:fld>
             <a:endParaRPr lang="ru-RU"/>
           </a:p>
@@ -1792,7 +1794,7 @@
             <a:fld id="{2F62B7FE-0F1B-44BD-8AF1-BD879AF3DFFD}" type="datetimeFigureOut">
               <a:rPr lang="ru-RU" smtClean="0"/>
               <a:pPr/>
-              <a:t>28.05.2017</a:t>
+              <a:t>11.06.2017</a:t>
             </a:fld>
             <a:endParaRPr lang="ru-RU"/>
           </a:p>
@@ -2208,7 +2210,7 @@
             <a:fld id="{2F62B7FE-0F1B-44BD-8AF1-BD879AF3DFFD}" type="datetimeFigureOut">
               <a:rPr lang="ru-RU" smtClean="0"/>
               <a:pPr/>
-              <a:t>28.05.2017</a:t>
+              <a:t>11.06.2017</a:t>
             </a:fld>
             <a:endParaRPr lang="ru-RU"/>
           </a:p>
@@ -2322,7 +2324,7 @@
             <a:fld id="{2F62B7FE-0F1B-44BD-8AF1-BD879AF3DFFD}" type="datetimeFigureOut">
               <a:rPr lang="ru-RU" smtClean="0"/>
               <a:pPr/>
-              <a:t>28.05.2017</a:t>
+              <a:t>11.06.2017</a:t>
             </a:fld>
             <a:endParaRPr lang="ru-RU"/>
           </a:p>
@@ -2414,7 +2416,7 @@
             <a:fld id="{2F62B7FE-0F1B-44BD-8AF1-BD879AF3DFFD}" type="datetimeFigureOut">
               <a:rPr lang="ru-RU" smtClean="0"/>
               <a:pPr/>
-              <a:t>28.05.2017</a:t>
+              <a:t>11.06.2017</a:t>
             </a:fld>
             <a:endParaRPr lang="ru-RU"/>
           </a:p>
@@ -2686,7 +2688,7 @@
             <a:fld id="{2F62B7FE-0F1B-44BD-8AF1-BD879AF3DFFD}" type="datetimeFigureOut">
               <a:rPr lang="ru-RU" smtClean="0"/>
               <a:pPr/>
-              <a:t>28.05.2017</a:t>
+              <a:t>11.06.2017</a:t>
             </a:fld>
             <a:endParaRPr lang="ru-RU"/>
           </a:p>
@@ -2935,7 +2937,7 @@
             <a:fld id="{2F62B7FE-0F1B-44BD-8AF1-BD879AF3DFFD}" type="datetimeFigureOut">
               <a:rPr lang="ru-RU" smtClean="0"/>
               <a:pPr/>
-              <a:t>28.05.2017</a:t>
+              <a:t>11.06.2017</a:t>
             </a:fld>
             <a:endParaRPr lang="ru-RU"/>
           </a:p>
@@ -3143,7 +3145,7 @@
             <a:fld id="{2F62B7FE-0F1B-44BD-8AF1-BD879AF3DFFD}" type="datetimeFigureOut">
               <a:rPr lang="ru-RU" smtClean="0"/>
               <a:pPr/>
-              <a:t>28.05.2017</a:t>
+              <a:t>11.06.2017</a:t>
             </a:fld>
             <a:endParaRPr lang="ru-RU"/>
           </a:p>
@@ -4239,7 +4241,29 @@
                   </a:schemeClr>
                 </a:solidFill>
               </a:rPr>
-              <a:t>(Додатку клієнта)</a:t>
+              <a:t>(</a:t>
+            </a:r>
+            <a:r>
+              <a:rPr lang="en-US" sz="3200" b="1" dirty="0">
+                <a:solidFill>
+                  <a:schemeClr val="tx1">
+                    <a:lumMod val="85000"/>
+                    <a:lumOff val="15000"/>
+                  </a:schemeClr>
+                </a:solidFill>
+              </a:rPr>
+              <a:t>WCF </a:t>
+            </a:r>
+            <a:r>
+              <a:rPr lang="uk-UA" sz="3200" b="1" dirty="0">
+                <a:solidFill>
+                  <a:schemeClr val="tx1">
+                    <a:lumMod val="85000"/>
+                    <a:lumOff val="15000"/>
+                  </a:schemeClr>
+                </a:solidFill>
+              </a:rPr>
+              <a:t>сервісу)</a:t>
             </a:r>
             <a:endParaRPr lang="en-US" sz="3200" dirty="0">
               <a:solidFill>
@@ -4254,7 +4278,7 @@
       </p:sp>
       <p:pic>
         <p:nvPicPr>
-          <p:cNvPr id="7" name="Picture 7"/>
+          <p:cNvPr id="5" name="Picture 6"/>
           <p:cNvPicPr/>
           <p:nvPr/>
         </p:nvPicPr>
@@ -4266,8 +4290,8 @@
         </p:blipFill>
         <p:spPr>
           <a:xfrm>
-            <a:off x="1403648" y="1556792"/>
-            <a:ext cx="6264696" cy="5040560"/>
+            <a:off x="1331640" y="1988840"/>
+            <a:ext cx="6624736" cy="4320480"/>
           </a:xfrm>
           <a:prstGeom prst="rect">
             <a:avLst/>
@@ -4381,7 +4405,7 @@
           <a:lstStyle/>
           <a:p>
             <a:r>
-              <a:rPr lang="ru-RU" sz="3200" b="1" dirty="0" err="1">
+              <a:rPr lang="uk-UA" sz="3200" b="1" dirty="0">
                 <a:solidFill>
                   <a:schemeClr val="tx1">
                     <a:lumMod val="85000"/>
@@ -4389,10 +4413,10 @@
                   </a:schemeClr>
                 </a:solidFill>
               </a:rPr>
-              <a:t>Microsoft</a:t>
-            </a:r>
-            <a:r>
-              <a:rPr lang="ru-RU" sz="3200" b="1" dirty="0">
+              <a:t>Діаграма класів</a:t>
+            </a:r>
+            <a:br>
+              <a:rPr lang="uk-UA" sz="3200" b="1" dirty="0">
                 <a:solidFill>
                   <a:schemeClr val="tx1">
                     <a:lumMod val="85000"/>
@@ -4400,10 +4424,9 @@
                   </a:schemeClr>
                 </a:solidFill>
               </a:rPr>
-              <a:t> </a:t>
-            </a:r>
-            <a:r>
-              <a:rPr lang="ru-RU" sz="3200" b="1" dirty="0" err="1">
+            </a:br>
+            <a:r>
+              <a:rPr lang="uk-UA" sz="3200" b="1" dirty="0">
                 <a:solidFill>
                   <a:schemeClr val="tx1">
                     <a:lumMod val="85000"/>
@@ -4411,29 +4434,7 @@
                   </a:schemeClr>
                 </a:solidFill>
               </a:rPr>
-              <a:t>Visual</a:t>
-            </a:r>
-            <a:r>
-              <a:rPr lang="ru-RU" sz="3200" b="1" dirty="0">
-                <a:solidFill>
-                  <a:schemeClr val="tx1">
-                    <a:lumMod val="85000"/>
-                    <a:lumOff val="15000"/>
-                  </a:schemeClr>
-                </a:solidFill>
-              </a:rPr>
-              <a:t> </a:t>
-            </a:r>
-            <a:r>
-              <a:rPr lang="ru-RU" sz="3200" b="1" dirty="0" err="1">
-                <a:solidFill>
-                  <a:schemeClr val="tx1">
-                    <a:lumMod val="85000"/>
-                    <a:lumOff val="15000"/>
-                  </a:schemeClr>
-                </a:solidFill>
-              </a:rPr>
-              <a:t>Studio</a:t>
+              <a:t>(Додатку клієнта)</a:t>
             </a:r>
             <a:endParaRPr lang="en-US" sz="3200" dirty="0">
               <a:solidFill>
@@ -4446,173 +4447,26 @@
           </a:p>
         </p:txBody>
       </p:sp>
-      <p:sp>
-        <p:nvSpPr>
-          <p:cNvPr id="5" name="Rectangle 1"/>
-          <p:cNvSpPr>
-            <a:spLocks noChangeArrowheads="1"/>
-          </p:cNvSpPr>
-          <p:nvPr/>
-        </p:nvSpPr>
-        <p:spPr bwMode="auto">
-          <a:xfrm>
-            <a:off x="611560" y="1804174"/>
-            <a:ext cx="7848872" cy="2308324"/>
-          </a:xfrm>
-          <a:prstGeom prst="rect">
-            <a:avLst/>
-          </a:prstGeom>
-          <a:noFill/>
-          <a:ln w="9525">
-            <a:noFill/>
-            <a:miter lim="800000"/>
-            <a:headEnd/>
-            <a:tailEnd/>
-          </a:ln>
-          <a:effectLst/>
-        </p:spPr>
-        <p:txBody>
-          <a:bodyPr vert="horz" wrap="square" lIns="91440" tIns="45720" rIns="91440" bIns="45720" numCol="1" anchor="ctr" anchorCtr="0" compatLnSpc="1">
-            <a:prstTxWarp prst="textNoShape">
-              <a:avLst/>
-            </a:prstTxWarp>
-            <a:spAutoFit/>
-          </a:bodyPr>
-          <a:lstStyle/>
-          <a:p>
-            <a:pPr lvl="0" indent="450850" algn="just" fontAlgn="base">
-              <a:spcBef>
-                <a:spcPct val="0"/>
-              </a:spcBef>
-              <a:spcAft>
-                <a:spcPct val="0"/>
-              </a:spcAft>
-            </a:pPr>
-            <a:r>
-              <a:rPr kumimoji="0" lang="uk-UA" sz="2400" b="0" i="0" u="none" strike="noStrike" cap="none" normalizeH="0" baseline="0" dirty="0">
-                <a:ln>
-                  <a:noFill/>
-                </a:ln>
-                <a:effectLst/>
-                <a:ea typeface="Verdana" pitchFamily="34" charset="0"/>
-                <a:cs typeface="Verdana" pitchFamily="34" charset="0"/>
-              </a:rPr>
-              <a:t>Microsoft </a:t>
-            </a:r>
-            <a:r>
-              <a:rPr kumimoji="0" lang="uk-UA" sz="2400" b="0" i="0" u="none" strike="noStrike" cap="none" normalizeH="0" baseline="0" dirty="0" err="1">
-                <a:ln>
-                  <a:noFill/>
-                </a:ln>
-                <a:effectLst/>
-                <a:ea typeface="Verdana" pitchFamily="34" charset="0"/>
-                <a:cs typeface="Verdana" pitchFamily="34" charset="0"/>
-              </a:rPr>
-              <a:t>Visual</a:t>
-            </a:r>
-            <a:r>
-              <a:rPr kumimoji="0" lang="uk-UA" sz="2400" b="0" i="0" u="none" strike="noStrike" cap="none" normalizeH="0" baseline="0" dirty="0">
-                <a:ln>
-                  <a:noFill/>
-                </a:ln>
-                <a:effectLst/>
-                <a:ea typeface="Verdana" pitchFamily="34" charset="0"/>
-                <a:cs typeface="Verdana" pitchFamily="34" charset="0"/>
-              </a:rPr>
-              <a:t> </a:t>
-            </a:r>
-            <a:r>
-              <a:rPr kumimoji="0" lang="uk-UA" sz="2400" b="0" i="0" u="none" strike="noStrike" cap="none" normalizeH="0" baseline="0" dirty="0" err="1">
-                <a:ln>
-                  <a:noFill/>
-                </a:ln>
-                <a:effectLst/>
-                <a:ea typeface="Verdana" pitchFamily="34" charset="0"/>
-                <a:cs typeface="Verdana" pitchFamily="34" charset="0"/>
-              </a:rPr>
-              <a:t>Studio</a:t>
-            </a:r>
-            <a:r>
-              <a:rPr kumimoji="0" lang="uk-UA" sz="2400" b="0" i="0" u="none" strike="noStrike" cap="none" normalizeH="0" baseline="0" dirty="0">
-                <a:ln>
-                  <a:noFill/>
-                </a:ln>
-                <a:effectLst/>
-                <a:ea typeface="Verdana" pitchFamily="34" charset="0"/>
-                <a:cs typeface="Verdana" pitchFamily="34" charset="0"/>
-              </a:rPr>
-              <a:t> — серія продуктів фірми </a:t>
-            </a:r>
-            <a:r>
-              <a:rPr kumimoji="0" lang="uk-UA" sz="2400" b="0" i="0" u="none" strike="noStrike" cap="none" normalizeH="0" baseline="0" dirty="0" err="1">
-                <a:ln>
-                  <a:noFill/>
-                </a:ln>
-                <a:effectLst/>
-                <a:ea typeface="Verdana" pitchFamily="34" charset="0"/>
-                <a:cs typeface="Verdana" pitchFamily="34" charset="0"/>
-              </a:rPr>
-              <a:t>Майкрософт</a:t>
-            </a:r>
-            <a:r>
-              <a:rPr kumimoji="0" lang="uk-UA" sz="2400" b="0" i="0" u="none" strike="noStrike" cap="none" normalizeH="0" baseline="0" dirty="0">
-                <a:ln>
-                  <a:noFill/>
-                </a:ln>
-                <a:effectLst/>
-                <a:ea typeface="Verdana" pitchFamily="34" charset="0"/>
-                <a:cs typeface="Verdana" pitchFamily="34" charset="0"/>
-              </a:rPr>
-              <a:t>, які включають інтегроване середовище розробки програмного забезпечення та ряд інших інструментальних засобів. Ці продукти дозволяють розробляти як консольні програми, так і програми з </a:t>
-            </a:r>
-            <a:r>
-              <a:rPr lang="uk-UA" sz="2400" dirty="0">
-                <a:ea typeface="Verdana" pitchFamily="34" charset="0"/>
-                <a:cs typeface="Verdana" pitchFamily="34" charset="0"/>
-              </a:rPr>
-              <a:t>графічним інтерфейсом.</a:t>
-            </a:r>
-            <a:endParaRPr kumimoji="0" lang="uk-UA" sz="4000" b="0" i="0" u="none" strike="noStrike" cap="none" normalizeH="0" baseline="0" dirty="0">
-              <a:ln>
-                <a:noFill/>
-              </a:ln>
-              <a:effectLst/>
-              <a:ea typeface="Verdana" pitchFamily="34" charset="0"/>
-              <a:cs typeface="Verdana" pitchFamily="34" charset="0"/>
-            </a:endParaRPr>
-          </a:p>
-        </p:txBody>
-      </p:sp>
       <p:pic>
         <p:nvPicPr>
-          <p:cNvPr id="31745" name="Picture 1"/>
-          <p:cNvPicPr>
-            <a:picLocks noChangeAspect="1" noChangeArrowheads="1"/>
-          </p:cNvPicPr>
+          <p:cNvPr id="7" name="Picture 7"/>
+          <p:cNvPicPr/>
           <p:nvPr/>
         </p:nvPicPr>
         <p:blipFill>
           <a:blip r:embed="rId4" cstate="print"/>
-          <a:srcRect/>
           <a:stretch>
             <a:fillRect/>
           </a:stretch>
         </p:blipFill>
-        <p:spPr bwMode="auto">
-          <a:xfrm>
-            <a:off x="2195736" y="4293096"/>
-            <a:ext cx="4968552" cy="2215233"/>
-          </a:xfrm>
-          <a:prstGeom prst="rect">
-            <a:avLst/>
-          </a:prstGeom>
-          <a:noFill/>
-          <a:ln w="9525">
-            <a:noFill/>
-            <a:miter lim="800000"/>
-            <a:headEnd/>
-            <a:tailEnd/>
-          </a:ln>
+        <p:spPr>
+          <a:xfrm>
+            <a:off x="1403648" y="1556792"/>
+            <a:ext cx="6264696" cy="5040560"/>
+          </a:xfrm>
+          <a:prstGeom prst="rect">
+            <a:avLst/>
+          </a:prstGeom>
         </p:spPr>
       </p:pic>
     </p:spTree>
@@ -4722,7 +4576,7 @@
           <a:lstStyle/>
           <a:p>
             <a:r>
-              <a:rPr lang="uk-UA" sz="3200" b="1" dirty="0">
+              <a:rPr lang="ru-RU" sz="3200" b="1" dirty="0" err="1">
                 <a:solidFill>
                   <a:schemeClr val="tx1">
                     <a:lumMod val="85000"/>
@@ -4730,7 +4584,51 @@
                   </a:schemeClr>
                 </a:solidFill>
               </a:rPr>
-              <a:t>Приклад використання програмного продукту</a:t>
+              <a:t>Microsoft</a:t>
+            </a:r>
+            <a:r>
+              <a:rPr lang="ru-RU" sz="3200" b="1" dirty="0">
+                <a:solidFill>
+                  <a:schemeClr val="tx1">
+                    <a:lumMod val="85000"/>
+                    <a:lumOff val="15000"/>
+                  </a:schemeClr>
+                </a:solidFill>
+              </a:rPr>
+              <a:t> </a:t>
+            </a:r>
+            <a:r>
+              <a:rPr lang="ru-RU" sz="3200" b="1" dirty="0" err="1">
+                <a:solidFill>
+                  <a:schemeClr val="tx1">
+                    <a:lumMod val="85000"/>
+                    <a:lumOff val="15000"/>
+                  </a:schemeClr>
+                </a:solidFill>
+              </a:rPr>
+              <a:t>Visual</a:t>
+            </a:r>
+            <a:r>
+              <a:rPr lang="ru-RU" sz="3200" b="1" dirty="0">
+                <a:solidFill>
+                  <a:schemeClr val="tx1">
+                    <a:lumMod val="85000"/>
+                    <a:lumOff val="15000"/>
+                  </a:schemeClr>
+                </a:solidFill>
+              </a:rPr>
+              <a:t> </a:t>
+            </a:r>
+            <a:r>
+              <a:rPr lang="ru-RU" sz="3200" b="1" dirty="0" err="1">
+                <a:solidFill>
+                  <a:schemeClr val="tx1">
+                    <a:lumMod val="85000"/>
+                    <a:lumOff val="15000"/>
+                  </a:schemeClr>
+                </a:solidFill>
+              </a:rPr>
+              <a:t>Studio</a:t>
             </a:r>
             <a:endParaRPr lang="en-US" sz="3200" dirty="0">
               <a:solidFill>
@@ -4743,26 +4641,173 @@
           </a:p>
         </p:txBody>
       </p:sp>
+      <p:sp>
+        <p:nvSpPr>
+          <p:cNvPr id="5" name="Rectangle 1"/>
+          <p:cNvSpPr>
+            <a:spLocks noChangeArrowheads="1"/>
+          </p:cNvSpPr>
+          <p:nvPr/>
+        </p:nvSpPr>
+        <p:spPr bwMode="auto">
+          <a:xfrm>
+            <a:off x="611560" y="1804174"/>
+            <a:ext cx="7848872" cy="2308324"/>
+          </a:xfrm>
+          <a:prstGeom prst="rect">
+            <a:avLst/>
+          </a:prstGeom>
+          <a:noFill/>
+          <a:ln w="9525">
+            <a:noFill/>
+            <a:miter lim="800000"/>
+            <a:headEnd/>
+            <a:tailEnd/>
+          </a:ln>
+          <a:effectLst/>
+        </p:spPr>
+        <p:txBody>
+          <a:bodyPr vert="horz" wrap="square" lIns="91440" tIns="45720" rIns="91440" bIns="45720" numCol="1" anchor="ctr" anchorCtr="0" compatLnSpc="1">
+            <a:prstTxWarp prst="textNoShape">
+              <a:avLst/>
+            </a:prstTxWarp>
+            <a:spAutoFit/>
+          </a:bodyPr>
+          <a:lstStyle/>
+          <a:p>
+            <a:pPr lvl="0" indent="450850" algn="just" fontAlgn="base">
+              <a:spcBef>
+                <a:spcPct val="0"/>
+              </a:spcBef>
+              <a:spcAft>
+                <a:spcPct val="0"/>
+              </a:spcAft>
+            </a:pPr>
+            <a:r>
+              <a:rPr kumimoji="0" lang="uk-UA" sz="2400" b="0" i="0" u="none" strike="noStrike" cap="none" normalizeH="0" baseline="0" dirty="0">
+                <a:ln>
+                  <a:noFill/>
+                </a:ln>
+                <a:effectLst/>
+                <a:ea typeface="Verdana" pitchFamily="34" charset="0"/>
+                <a:cs typeface="Verdana" pitchFamily="34" charset="0"/>
+              </a:rPr>
+              <a:t>Microsoft </a:t>
+            </a:r>
+            <a:r>
+              <a:rPr kumimoji="0" lang="uk-UA" sz="2400" b="0" i="0" u="none" strike="noStrike" cap="none" normalizeH="0" baseline="0" dirty="0" err="1">
+                <a:ln>
+                  <a:noFill/>
+                </a:ln>
+                <a:effectLst/>
+                <a:ea typeface="Verdana" pitchFamily="34" charset="0"/>
+                <a:cs typeface="Verdana" pitchFamily="34" charset="0"/>
+              </a:rPr>
+              <a:t>Visual</a:t>
+            </a:r>
+            <a:r>
+              <a:rPr kumimoji="0" lang="uk-UA" sz="2400" b="0" i="0" u="none" strike="noStrike" cap="none" normalizeH="0" baseline="0" dirty="0">
+                <a:ln>
+                  <a:noFill/>
+                </a:ln>
+                <a:effectLst/>
+                <a:ea typeface="Verdana" pitchFamily="34" charset="0"/>
+                <a:cs typeface="Verdana" pitchFamily="34" charset="0"/>
+              </a:rPr>
+              <a:t> </a:t>
+            </a:r>
+            <a:r>
+              <a:rPr kumimoji="0" lang="uk-UA" sz="2400" b="0" i="0" u="none" strike="noStrike" cap="none" normalizeH="0" baseline="0" dirty="0" err="1">
+                <a:ln>
+                  <a:noFill/>
+                </a:ln>
+                <a:effectLst/>
+                <a:ea typeface="Verdana" pitchFamily="34" charset="0"/>
+                <a:cs typeface="Verdana" pitchFamily="34" charset="0"/>
+              </a:rPr>
+              <a:t>Studio</a:t>
+            </a:r>
+            <a:r>
+              <a:rPr kumimoji="0" lang="uk-UA" sz="2400" b="0" i="0" u="none" strike="noStrike" cap="none" normalizeH="0" baseline="0" dirty="0">
+                <a:ln>
+                  <a:noFill/>
+                </a:ln>
+                <a:effectLst/>
+                <a:ea typeface="Verdana" pitchFamily="34" charset="0"/>
+                <a:cs typeface="Verdana" pitchFamily="34" charset="0"/>
+              </a:rPr>
+              <a:t> — серія продуктів фірми </a:t>
+            </a:r>
+            <a:r>
+              <a:rPr kumimoji="0" lang="uk-UA" sz="2400" b="0" i="0" u="none" strike="noStrike" cap="none" normalizeH="0" baseline="0" dirty="0" err="1">
+                <a:ln>
+                  <a:noFill/>
+                </a:ln>
+                <a:effectLst/>
+                <a:ea typeface="Verdana" pitchFamily="34" charset="0"/>
+                <a:cs typeface="Verdana" pitchFamily="34" charset="0"/>
+              </a:rPr>
+              <a:t>Майкрософт</a:t>
+            </a:r>
+            <a:r>
+              <a:rPr kumimoji="0" lang="uk-UA" sz="2400" b="0" i="0" u="none" strike="noStrike" cap="none" normalizeH="0" baseline="0" dirty="0">
+                <a:ln>
+                  <a:noFill/>
+                </a:ln>
+                <a:effectLst/>
+                <a:ea typeface="Verdana" pitchFamily="34" charset="0"/>
+                <a:cs typeface="Verdana" pitchFamily="34" charset="0"/>
+              </a:rPr>
+              <a:t>, які включають інтегроване середовище розробки програмного забезпечення та ряд інших інструментальних засобів. Ці продукти дозволяють розробляти як консольні програми, так і програми з </a:t>
+            </a:r>
+            <a:r>
+              <a:rPr lang="uk-UA" sz="2400" dirty="0">
+                <a:ea typeface="Verdana" pitchFamily="34" charset="0"/>
+                <a:cs typeface="Verdana" pitchFamily="34" charset="0"/>
+              </a:rPr>
+              <a:t>графічним інтерфейсом.</a:t>
+            </a:r>
+            <a:endParaRPr kumimoji="0" lang="uk-UA" sz="4000" b="0" i="0" u="none" strike="noStrike" cap="none" normalizeH="0" baseline="0" dirty="0">
+              <a:ln>
+                <a:noFill/>
+              </a:ln>
+              <a:effectLst/>
+              <a:ea typeface="Verdana" pitchFamily="34" charset="0"/>
+              <a:cs typeface="Verdana" pitchFamily="34" charset="0"/>
+            </a:endParaRPr>
+          </a:p>
+        </p:txBody>
+      </p:sp>
       <p:pic>
         <p:nvPicPr>
-          <p:cNvPr id="5" name="Picture 37"/>
-          <p:cNvPicPr/>
+          <p:cNvPr id="31745" name="Picture 1"/>
+          <p:cNvPicPr>
+            <a:picLocks noChangeAspect="1" noChangeArrowheads="1"/>
+          </p:cNvPicPr>
           <p:nvPr/>
         </p:nvPicPr>
         <p:blipFill>
           <a:blip r:embed="rId4" cstate="print"/>
+          <a:srcRect/>
           <a:stretch>
             <a:fillRect/>
           </a:stretch>
         </p:blipFill>
-        <p:spPr>
-          <a:xfrm>
-            <a:off x="1331640" y="1988840"/>
-            <a:ext cx="6768752" cy="4176464"/>
-          </a:xfrm>
-          <a:prstGeom prst="rect">
-            <a:avLst/>
-          </a:prstGeom>
+        <p:spPr bwMode="auto">
+          <a:xfrm>
+            <a:off x="2195736" y="4293096"/>
+            <a:ext cx="4968552" cy="2215233"/>
+          </a:xfrm>
+          <a:prstGeom prst="rect">
+            <a:avLst/>
+          </a:prstGeom>
+          <a:noFill/>
+          <a:ln w="9525">
+            <a:noFill/>
+            <a:miter lim="800000"/>
+            <a:headEnd/>
+            <a:tailEnd/>
+          </a:ln>
         </p:spPr>
       </p:pic>
     </p:spTree>
@@ -4893,156 +4938,26 @@
           </a:p>
         </p:txBody>
       </p:sp>
-      <p:sp>
-        <p:nvSpPr>
-          <p:cNvPr id="38914" name="AutoShape 2" descr="blob:https://web.telegram.org/cab0e2a7-5583-4dc1-a373-2a1aa67bf875"/>
-          <p:cNvSpPr>
-            <a:spLocks noChangeAspect="1" noChangeArrowheads="1"/>
-          </p:cNvSpPr>
-          <p:nvPr/>
-        </p:nvSpPr>
-        <p:spPr bwMode="auto">
-          <a:xfrm>
-            <a:off x="155575" y="-144463"/>
-            <a:ext cx="304800" cy="304801"/>
-          </a:xfrm>
-          <a:prstGeom prst="rect">
-            <a:avLst/>
-          </a:prstGeom>
-          <a:noFill/>
-        </p:spPr>
-        <p:txBody>
-          <a:bodyPr vert="horz" wrap="square" lIns="91440" tIns="45720" rIns="91440" bIns="45720" numCol="1" anchor="t" anchorCtr="0" compatLnSpc="1">
-            <a:prstTxWarp prst="textNoShape">
-              <a:avLst/>
-            </a:prstTxWarp>
-          </a:bodyPr>
-          <a:lstStyle/>
-          <a:p>
-            <a:endParaRPr lang="ru-RU"/>
-          </a:p>
-        </p:txBody>
-      </p:sp>
-      <p:sp>
-        <p:nvSpPr>
-          <p:cNvPr id="38916" name="AutoShape 4" descr="blob:https://web.telegram.org/cab0e2a7-5583-4dc1-a373-2a1aa67bf875"/>
-          <p:cNvSpPr>
-            <a:spLocks noChangeAspect="1" noChangeArrowheads="1"/>
-          </p:cNvSpPr>
-          <p:nvPr/>
-        </p:nvSpPr>
-        <p:spPr bwMode="auto">
-          <a:xfrm>
-            <a:off x="155575" y="-144463"/>
-            <a:ext cx="304800" cy="304801"/>
-          </a:xfrm>
-          <a:prstGeom prst="rect">
-            <a:avLst/>
-          </a:prstGeom>
-          <a:noFill/>
-        </p:spPr>
-        <p:txBody>
-          <a:bodyPr vert="horz" wrap="square" lIns="91440" tIns="45720" rIns="91440" bIns="45720" numCol="1" anchor="t" anchorCtr="0" compatLnSpc="1">
-            <a:prstTxWarp prst="textNoShape">
-              <a:avLst/>
-            </a:prstTxWarp>
-          </a:bodyPr>
-          <a:lstStyle/>
-          <a:p>
-            <a:endParaRPr lang="ru-RU"/>
-          </a:p>
-        </p:txBody>
-      </p:sp>
-      <p:sp>
-        <p:nvSpPr>
-          <p:cNvPr id="38918" name="AutoShape 6" descr="blob:https://web.telegram.org/cab0e2a7-5583-4dc1-a373-2a1aa67bf875"/>
-          <p:cNvSpPr>
-            <a:spLocks noChangeAspect="1" noChangeArrowheads="1"/>
-          </p:cNvSpPr>
-          <p:nvPr/>
-        </p:nvSpPr>
-        <p:spPr bwMode="auto">
-          <a:xfrm>
-            <a:off x="155575" y="-144463"/>
-            <a:ext cx="304800" cy="304801"/>
-          </a:xfrm>
-          <a:prstGeom prst="rect">
-            <a:avLst/>
-          </a:prstGeom>
-          <a:noFill/>
-        </p:spPr>
-        <p:txBody>
-          <a:bodyPr vert="horz" wrap="square" lIns="91440" tIns="45720" rIns="91440" bIns="45720" numCol="1" anchor="t" anchorCtr="0" compatLnSpc="1">
-            <a:prstTxWarp prst="textNoShape">
-              <a:avLst/>
-            </a:prstTxWarp>
-          </a:bodyPr>
-          <a:lstStyle/>
-          <a:p>
-            <a:endParaRPr lang="ru-RU"/>
-          </a:p>
-        </p:txBody>
-      </p:sp>
-      <p:sp>
-        <p:nvSpPr>
-          <p:cNvPr id="38920" name="AutoShape 8" descr="blob:https://web.telegram.org/cab0e2a7-5583-4dc1-a373-2a1aa67bf875"/>
-          <p:cNvSpPr>
-            <a:spLocks noChangeAspect="1" noChangeArrowheads="1"/>
-          </p:cNvSpPr>
-          <p:nvPr/>
-        </p:nvSpPr>
-        <p:spPr bwMode="auto">
-          <a:xfrm>
-            <a:off x="155575" y="-144463"/>
-            <a:ext cx="304800" cy="304801"/>
-          </a:xfrm>
-          <a:prstGeom prst="rect">
-            <a:avLst/>
-          </a:prstGeom>
-          <a:noFill/>
-        </p:spPr>
-        <p:txBody>
-          <a:bodyPr vert="horz" wrap="square" lIns="91440" tIns="45720" rIns="91440" bIns="45720" numCol="1" anchor="t" anchorCtr="0" compatLnSpc="1">
-            <a:prstTxWarp prst="textNoShape">
-              <a:avLst/>
-            </a:prstTxWarp>
-          </a:bodyPr>
-          <a:lstStyle/>
-          <a:p>
-            <a:endParaRPr lang="ru-RU"/>
-          </a:p>
-        </p:txBody>
-      </p:sp>
       <p:pic>
         <p:nvPicPr>
-          <p:cNvPr id="38921" name="Picture 9"/>
-          <p:cNvPicPr>
-            <a:picLocks noChangeAspect="1" noChangeArrowheads="1"/>
-          </p:cNvPicPr>
+          <p:cNvPr id="5" name="Picture 37"/>
+          <p:cNvPicPr/>
           <p:nvPr/>
         </p:nvPicPr>
         <p:blipFill>
           <a:blip r:embed="rId4" cstate="print"/>
-          <a:srcRect/>
           <a:stretch>
             <a:fillRect/>
           </a:stretch>
         </p:blipFill>
-        <p:spPr bwMode="auto">
-          <a:xfrm>
-            <a:off x="1115616" y="2060848"/>
-            <a:ext cx="7142301" cy="4254252"/>
-          </a:xfrm>
-          <a:prstGeom prst="rect">
-            <a:avLst/>
-          </a:prstGeom>
-          <a:noFill/>
-          <a:ln w="9525">
-            <a:noFill/>
-            <a:miter lim="800000"/>
-            <a:headEnd/>
-            <a:tailEnd/>
-          </a:ln>
+        <p:spPr>
+          <a:xfrm>
+            <a:off x="1331640" y="1988840"/>
+            <a:ext cx="6768752" cy="4464496"/>
+          </a:xfrm>
+          <a:prstGeom prst="rect">
+            <a:avLst/>
+          </a:prstGeom>
         </p:spPr>
       </p:pic>
     </p:spTree>
@@ -5175,20 +5090,26 @@
       </p:sp>
       <p:pic>
         <p:nvPicPr>
-          <p:cNvPr id="7" name="Picture 57"/>
+          <p:cNvPr id="7" name="Picture 6">
+            <a:extLst>
+              <a:ext uri="{FF2B5EF4-FFF2-40B4-BE49-F238E27FC236}">
+                <a16:creationId xmlns:a16="http://schemas.microsoft.com/office/drawing/2014/main" id="{2846CC4C-D2A6-4BDB-BDC1-50291F00AD04}"/>
+              </a:ext>
+            </a:extLst>
+          </p:cNvPr>
           <p:cNvPicPr/>
           <p:nvPr/>
         </p:nvPicPr>
         <p:blipFill>
-          <a:blip r:embed="rId4" cstate="print"/>
+          <a:blip r:embed="rId4"/>
           <a:stretch>
             <a:fillRect/>
           </a:stretch>
         </p:blipFill>
         <p:spPr>
           <a:xfrm>
-            <a:off x="1403648" y="1844824"/>
-            <a:ext cx="6408712" cy="4320480"/>
+            <a:off x="1331640" y="2060848"/>
+            <a:ext cx="6768751" cy="4536504"/>
           </a:xfrm>
           <a:prstGeom prst="rect">
             <a:avLst/>
@@ -5196,6 +5117,11 @@
         </p:spPr>
       </p:pic>
     </p:spTree>
+    <p:extLst>
+      <p:ext uri="{BB962C8B-B14F-4D97-AF65-F5344CB8AC3E}">
+        <p14:creationId xmlns:p14="http://schemas.microsoft.com/office/powerpoint/2010/main" val="4180574341"/>
+      </p:ext>
+    </p:extLst>
   </p:cSld>
   <p:clrMapOvr>
     <a:masterClrMapping/>
@@ -5323,26 +5249,156 @@
           </a:p>
         </p:txBody>
       </p:sp>
+      <p:sp>
+        <p:nvSpPr>
+          <p:cNvPr id="38914" name="AutoShape 2" descr="blob:https://web.telegram.org/cab0e2a7-5583-4dc1-a373-2a1aa67bf875"/>
+          <p:cNvSpPr>
+            <a:spLocks noChangeAspect="1" noChangeArrowheads="1"/>
+          </p:cNvSpPr>
+          <p:nvPr/>
+        </p:nvSpPr>
+        <p:spPr bwMode="auto">
+          <a:xfrm>
+            <a:off x="155575" y="-144463"/>
+            <a:ext cx="304800" cy="304801"/>
+          </a:xfrm>
+          <a:prstGeom prst="rect">
+            <a:avLst/>
+          </a:prstGeom>
+          <a:noFill/>
+        </p:spPr>
+        <p:txBody>
+          <a:bodyPr vert="horz" wrap="square" lIns="91440" tIns="45720" rIns="91440" bIns="45720" numCol="1" anchor="t" anchorCtr="0" compatLnSpc="1">
+            <a:prstTxWarp prst="textNoShape">
+              <a:avLst/>
+            </a:prstTxWarp>
+          </a:bodyPr>
+          <a:lstStyle/>
+          <a:p>
+            <a:endParaRPr lang="ru-RU"/>
+          </a:p>
+        </p:txBody>
+      </p:sp>
+      <p:sp>
+        <p:nvSpPr>
+          <p:cNvPr id="38916" name="AutoShape 4" descr="blob:https://web.telegram.org/cab0e2a7-5583-4dc1-a373-2a1aa67bf875"/>
+          <p:cNvSpPr>
+            <a:spLocks noChangeAspect="1" noChangeArrowheads="1"/>
+          </p:cNvSpPr>
+          <p:nvPr/>
+        </p:nvSpPr>
+        <p:spPr bwMode="auto">
+          <a:xfrm>
+            <a:off x="155575" y="-144463"/>
+            <a:ext cx="304800" cy="304801"/>
+          </a:xfrm>
+          <a:prstGeom prst="rect">
+            <a:avLst/>
+          </a:prstGeom>
+          <a:noFill/>
+        </p:spPr>
+        <p:txBody>
+          <a:bodyPr vert="horz" wrap="square" lIns="91440" tIns="45720" rIns="91440" bIns="45720" numCol="1" anchor="t" anchorCtr="0" compatLnSpc="1">
+            <a:prstTxWarp prst="textNoShape">
+              <a:avLst/>
+            </a:prstTxWarp>
+          </a:bodyPr>
+          <a:lstStyle/>
+          <a:p>
+            <a:endParaRPr lang="ru-RU"/>
+          </a:p>
+        </p:txBody>
+      </p:sp>
+      <p:sp>
+        <p:nvSpPr>
+          <p:cNvPr id="38918" name="AutoShape 6" descr="blob:https://web.telegram.org/cab0e2a7-5583-4dc1-a373-2a1aa67bf875"/>
+          <p:cNvSpPr>
+            <a:spLocks noChangeAspect="1" noChangeArrowheads="1"/>
+          </p:cNvSpPr>
+          <p:nvPr/>
+        </p:nvSpPr>
+        <p:spPr bwMode="auto">
+          <a:xfrm>
+            <a:off x="155575" y="-144463"/>
+            <a:ext cx="304800" cy="304801"/>
+          </a:xfrm>
+          <a:prstGeom prst="rect">
+            <a:avLst/>
+          </a:prstGeom>
+          <a:noFill/>
+        </p:spPr>
+        <p:txBody>
+          <a:bodyPr vert="horz" wrap="square" lIns="91440" tIns="45720" rIns="91440" bIns="45720" numCol="1" anchor="t" anchorCtr="0" compatLnSpc="1">
+            <a:prstTxWarp prst="textNoShape">
+              <a:avLst/>
+            </a:prstTxWarp>
+          </a:bodyPr>
+          <a:lstStyle/>
+          <a:p>
+            <a:endParaRPr lang="ru-RU"/>
+          </a:p>
+        </p:txBody>
+      </p:sp>
+      <p:sp>
+        <p:nvSpPr>
+          <p:cNvPr id="38920" name="AutoShape 8" descr="blob:https://web.telegram.org/cab0e2a7-5583-4dc1-a373-2a1aa67bf875"/>
+          <p:cNvSpPr>
+            <a:spLocks noChangeAspect="1" noChangeArrowheads="1"/>
+          </p:cNvSpPr>
+          <p:nvPr/>
+        </p:nvSpPr>
+        <p:spPr bwMode="auto">
+          <a:xfrm>
+            <a:off x="155575" y="-144463"/>
+            <a:ext cx="304800" cy="304801"/>
+          </a:xfrm>
+          <a:prstGeom prst="rect">
+            <a:avLst/>
+          </a:prstGeom>
+          <a:noFill/>
+        </p:spPr>
+        <p:txBody>
+          <a:bodyPr vert="horz" wrap="square" lIns="91440" tIns="45720" rIns="91440" bIns="45720" numCol="1" anchor="t" anchorCtr="0" compatLnSpc="1">
+            <a:prstTxWarp prst="textNoShape">
+              <a:avLst/>
+            </a:prstTxWarp>
+          </a:bodyPr>
+          <a:lstStyle/>
+          <a:p>
+            <a:endParaRPr lang="ru-RU"/>
+          </a:p>
+        </p:txBody>
+      </p:sp>
       <p:pic>
         <p:nvPicPr>
-          <p:cNvPr id="8" name="Picture 50"/>
-          <p:cNvPicPr/>
+          <p:cNvPr id="38921" name="Picture 9"/>
+          <p:cNvPicPr>
+            <a:picLocks noChangeAspect="1" noChangeArrowheads="1"/>
+          </p:cNvPicPr>
           <p:nvPr/>
         </p:nvPicPr>
         <p:blipFill>
           <a:blip r:embed="rId4" cstate="print"/>
+          <a:srcRect/>
           <a:stretch>
             <a:fillRect/>
           </a:stretch>
         </p:blipFill>
-        <p:spPr>
-          <a:xfrm>
-            <a:off x="2483768" y="1556792"/>
-            <a:ext cx="4621684" cy="4924940"/>
-          </a:xfrm>
-          <a:prstGeom prst="rect">
-            <a:avLst/>
-          </a:prstGeom>
+        <p:spPr bwMode="auto">
+          <a:xfrm>
+            <a:off x="1115616" y="2060848"/>
+            <a:ext cx="7142301" cy="4254252"/>
+          </a:xfrm>
+          <a:prstGeom prst="rect">
+            <a:avLst/>
+          </a:prstGeom>
+          <a:noFill/>
+          <a:ln w="9525">
+            <a:noFill/>
+            <a:miter lim="800000"/>
+            <a:headEnd/>
+            <a:tailEnd/>
+          </a:ln>
         </p:spPr>
       </p:pic>
     </p:spTree>
@@ -5475,7 +5531,7 @@
       </p:sp>
       <p:pic>
         <p:nvPicPr>
-          <p:cNvPr id="7" name="Picture 51"/>
+          <p:cNvPr id="7" name="Picture 57"/>
           <p:cNvPicPr/>
           <p:nvPr/>
         </p:nvPicPr>
@@ -5487,8 +5543,8 @@
         </p:blipFill>
         <p:spPr>
           <a:xfrm>
-            <a:off x="1187624" y="2420888"/>
-            <a:ext cx="6804481" cy="3137381"/>
+            <a:off x="1403648" y="1844824"/>
+            <a:ext cx="6408712" cy="4320480"/>
           </a:xfrm>
           <a:prstGeom prst="rect">
             <a:avLst/>
@@ -5625,28 +5681,20 @@
       </p:sp>
       <p:pic>
         <p:nvPicPr>
-          <p:cNvPr id="4" name="Picture 3">
-            <a:extLst>
-              <a:ext uri="{FF2B5EF4-FFF2-40B4-BE49-F238E27FC236}">
-                <a16:creationId xmlns:a16="http://schemas.microsoft.com/office/drawing/2014/main" id="{FF3D67AC-EE42-4419-916F-E649F2F39667}"/>
-              </a:ext>
-            </a:extLst>
-          </p:cNvPr>
-          <p:cNvPicPr>
-            <a:picLocks noChangeAspect="1"/>
-          </p:cNvPicPr>
+          <p:cNvPr id="8" name="Picture 50"/>
+          <p:cNvPicPr/>
           <p:nvPr/>
         </p:nvPicPr>
         <p:blipFill>
-          <a:blip r:embed="rId4"/>
+          <a:blip r:embed="rId4" cstate="print"/>
           <a:stretch>
             <a:fillRect/>
           </a:stretch>
         </p:blipFill>
         <p:spPr>
           <a:xfrm>
-            <a:off x="1045654" y="1694034"/>
-            <a:ext cx="7124700" cy="5076825"/>
+            <a:off x="2483768" y="1556792"/>
+            <a:ext cx="4621684" cy="4924940"/>
           </a:xfrm>
           <a:prstGeom prst="rect">
             <a:avLst/>
@@ -5654,11 +5702,6 @@
         </p:spPr>
       </p:pic>
     </p:spTree>
-    <p:extLst>
-      <p:ext uri="{BB962C8B-B14F-4D97-AF65-F5344CB8AC3E}">
-        <p14:creationId xmlns:p14="http://schemas.microsoft.com/office/powerpoint/2010/main" val="4127511896"/>
-      </p:ext>
-    </p:extLst>
   </p:cSld>
   <p:clrMapOvr>
     <a:masterClrMapping/>
@@ -5788,28 +5831,20 @@
       </p:sp>
       <p:pic>
         <p:nvPicPr>
-          <p:cNvPr id="3" name="Picture 2">
-            <a:extLst>
-              <a:ext uri="{FF2B5EF4-FFF2-40B4-BE49-F238E27FC236}">
-                <a16:creationId xmlns:a16="http://schemas.microsoft.com/office/drawing/2014/main" id="{F8C844B3-C131-4368-B6DD-A9FA8380A085}"/>
-              </a:ext>
-            </a:extLst>
-          </p:cNvPr>
-          <p:cNvPicPr>
-            <a:picLocks noChangeAspect="1"/>
-          </p:cNvPicPr>
+          <p:cNvPr id="7" name="Picture 51"/>
+          <p:cNvPicPr/>
           <p:nvPr/>
         </p:nvPicPr>
         <p:blipFill>
-          <a:blip r:embed="rId4"/>
+          <a:blip r:embed="rId4" cstate="print"/>
           <a:stretch>
             <a:fillRect/>
           </a:stretch>
         </p:blipFill>
         <p:spPr>
           <a:xfrm>
-            <a:off x="1036129" y="1713469"/>
-            <a:ext cx="7143750" cy="4962525"/>
+            <a:off x="1187624" y="2420888"/>
+            <a:ext cx="6804481" cy="3137381"/>
           </a:xfrm>
           <a:prstGeom prst="rect">
             <a:avLst/>
@@ -5946,10 +5981,10 @@
       </p:sp>
       <p:pic>
         <p:nvPicPr>
-          <p:cNvPr id="3" name="Picture 2">
+          <p:cNvPr id="4" name="Picture 3">
             <a:extLst>
               <a:ext uri="{FF2B5EF4-FFF2-40B4-BE49-F238E27FC236}">
-                <a16:creationId xmlns:a16="http://schemas.microsoft.com/office/drawing/2014/main" id="{8D3B9BB8-9696-4F73-A0D6-B2D48B14D55E}"/>
+                <a16:creationId xmlns:a16="http://schemas.microsoft.com/office/drawing/2014/main" id="{FF3D67AC-EE42-4419-916F-E649F2F39667}"/>
               </a:ext>
             </a:extLst>
           </p:cNvPr>
@@ -5966,8 +6001,8 @@
         </p:blipFill>
         <p:spPr>
           <a:xfrm>
-            <a:off x="1043608" y="1663097"/>
-            <a:ext cx="7458075" cy="5181600"/>
+            <a:off x="1045654" y="1694034"/>
+            <a:ext cx="7124700" cy="5076825"/>
           </a:xfrm>
           <a:prstGeom prst="rect">
             <a:avLst/>
@@ -5975,6 +6010,11 @@
         </p:spPr>
       </p:pic>
     </p:spTree>
+    <p:extLst>
+      <p:ext uri="{BB962C8B-B14F-4D97-AF65-F5344CB8AC3E}">
+        <p14:creationId xmlns:p14="http://schemas.microsoft.com/office/powerpoint/2010/main" val="4127511896"/>
+      </p:ext>
+    </p:extLst>
   </p:cSld>
   <p:clrMapOvr>
     <a:masterClrMapping/>
@@ -6177,7 +6217,7 @@
                   </a:schemeClr>
                 </a:solidFill>
               </a:rPr>
-              <a:t>створення автоматизованої інформаційної системи розрахунку кредитних та депозитних операцій клієнтами комерційного банку </a:t>
+              <a:t>створення автоматизованої інформаційної системи розрахунку кредитних та депозитних операцій клієнтами комерційного банку</a:t>
             </a:r>
             <a:r>
               <a:rPr lang="uk-UA" sz="2400" dirty="0">
@@ -6456,10 +6496,10 @@
       </p:sp>
       <p:pic>
         <p:nvPicPr>
-          <p:cNvPr id="4" name="Picture 3">
+          <p:cNvPr id="3" name="Picture 2">
             <a:extLst>
               <a:ext uri="{FF2B5EF4-FFF2-40B4-BE49-F238E27FC236}">
-                <a16:creationId xmlns:a16="http://schemas.microsoft.com/office/drawing/2014/main" id="{C7B97AFE-9129-4674-9ACD-EE802E650FCB}"/>
+                <a16:creationId xmlns:a16="http://schemas.microsoft.com/office/drawing/2014/main" id="{F8C844B3-C131-4368-B6DD-A9FA8380A085}"/>
               </a:ext>
             </a:extLst>
           </p:cNvPr>
@@ -6476,8 +6516,8 @@
         </p:blipFill>
         <p:spPr>
           <a:xfrm>
-            <a:off x="850382" y="1657350"/>
-            <a:ext cx="7400925" cy="5200650"/>
+            <a:off x="1036129" y="1713469"/>
+            <a:ext cx="7143750" cy="4962525"/>
           </a:xfrm>
           <a:prstGeom prst="rect">
             <a:avLst/>
@@ -6485,11 +6525,6 @@
         </p:spPr>
       </p:pic>
     </p:spTree>
-    <p:extLst>
-      <p:ext uri="{BB962C8B-B14F-4D97-AF65-F5344CB8AC3E}">
-        <p14:creationId xmlns:p14="http://schemas.microsoft.com/office/powerpoint/2010/main" val="1324999853"/>
-      </p:ext>
-    </p:extLst>
   </p:cSld>
   <p:clrMapOvr>
     <a:masterClrMapping/>
@@ -6585,7 +6620,7 @@
         </p:nvSpPr>
         <p:spPr>
           <a:xfrm>
-            <a:off x="1403648" y="404664"/>
+            <a:off x="1475656" y="188640"/>
             <a:ext cx="6264696" cy="1285884"/>
           </a:xfrm>
         </p:spPr>
@@ -6604,7 +6639,7 @@
                   </a:schemeClr>
                 </a:solidFill>
               </a:rPr>
-              <a:t>Забезпечення безпеки програмного продукту</a:t>
+              <a:t>Приклад використання програмного продукту</a:t>
             </a:r>
             <a:endParaRPr lang="en-US" sz="3200" dirty="0">
               <a:solidFill>
@@ -6619,60 +6654,32 @@
       </p:sp>
       <p:pic>
         <p:nvPicPr>
-          <p:cNvPr id="46082" name="Picture 2"/>
+          <p:cNvPr id="3" name="Picture 2">
+            <a:extLst>
+              <a:ext uri="{FF2B5EF4-FFF2-40B4-BE49-F238E27FC236}">
+                <a16:creationId xmlns:a16="http://schemas.microsoft.com/office/drawing/2014/main" id="{8D3B9BB8-9696-4F73-A0D6-B2D48B14D55E}"/>
+              </a:ext>
+            </a:extLst>
+          </p:cNvPr>
           <p:cNvPicPr>
-            <a:picLocks noChangeAspect="1" noChangeArrowheads="1"/>
+            <a:picLocks noChangeAspect="1"/>
           </p:cNvPicPr>
           <p:nvPr/>
         </p:nvPicPr>
         <p:blipFill>
-          <a:blip r:embed="rId4" cstate="print"/>
-          <a:srcRect/>
+          <a:blip r:embed="rId4"/>
           <a:stretch>
             <a:fillRect/>
           </a:stretch>
         </p:blipFill>
-        <p:spPr bwMode="auto">
-          <a:xfrm>
-            <a:off x="413284" y="2510050"/>
-            <a:ext cx="8245424" cy="1001303"/>
-          </a:xfrm>
-          <a:prstGeom prst="rect">
-            <a:avLst/>
-          </a:prstGeom>
-          <a:noFill/>
-          <a:ln w="9525">
-            <a:noFill/>
-            <a:miter lim="800000"/>
-            <a:headEnd/>
-            <a:tailEnd/>
-          </a:ln>
-        </p:spPr>
-      </p:pic>
-      <p:pic>
-        <p:nvPicPr>
-          <p:cNvPr id="46084" name="Picture 4" descr="Картинки по запросу rijndael"/>
-          <p:cNvPicPr>
-            <a:picLocks noChangeAspect="1" noChangeArrowheads="1"/>
-          </p:cNvPicPr>
-          <p:nvPr/>
-        </p:nvPicPr>
-        <p:blipFill>
-          <a:blip r:embed="rId5" cstate="print"/>
-          <a:srcRect/>
-          <a:stretch>
-            <a:fillRect/>
-          </a:stretch>
-        </p:blipFill>
-        <p:spPr bwMode="auto">
-          <a:xfrm>
-            <a:off x="2821496" y="4005064"/>
-            <a:ext cx="3429000" cy="2286001"/>
-          </a:xfrm>
-          <a:prstGeom prst="rect">
-            <a:avLst/>
-          </a:prstGeom>
-          <a:noFill/>
+        <p:spPr>
+          <a:xfrm>
+            <a:off x="1043608" y="1663097"/>
+            <a:ext cx="7458075" cy="5006263"/>
+          </a:xfrm>
+          <a:prstGeom prst="rect">
+            <a:avLst/>
+          </a:prstGeom>
         </p:spPr>
       </p:pic>
     </p:spTree>
@@ -6782,7 +6789,7 @@
           <a:lstStyle/>
           <a:p>
             <a:r>
-              <a:rPr lang="ru-RU" sz="3200" b="1" dirty="0" err="1">
+              <a:rPr lang="uk-UA" sz="3200" b="1" dirty="0">
                 <a:solidFill>
                   <a:schemeClr val="tx1">
                     <a:lumMod val="85000"/>
@@ -6790,73 +6797,7 @@
                   </a:schemeClr>
                 </a:solidFill>
               </a:rPr>
-              <a:t>Позитивні</a:t>
-            </a:r>
-            <a:r>
-              <a:rPr lang="ru-RU" sz="3200" b="1" dirty="0">
-                <a:solidFill>
-                  <a:schemeClr val="tx1">
-                    <a:lumMod val="85000"/>
-                    <a:lumOff val="15000"/>
-                  </a:schemeClr>
-                </a:solidFill>
-              </a:rPr>
-              <a:t> </a:t>
-            </a:r>
-            <a:r>
-              <a:rPr lang="ru-RU" sz="3200" b="1" dirty="0" err="1">
-                <a:solidFill>
-                  <a:schemeClr val="tx1">
-                    <a:lumMod val="85000"/>
-                    <a:lumOff val="15000"/>
-                  </a:schemeClr>
-                </a:solidFill>
-              </a:rPr>
-              <a:t>сторони</a:t>
-            </a:r>
-            <a:r>
-              <a:rPr lang="ru-RU" sz="3200" b="1" dirty="0">
-                <a:solidFill>
-                  <a:schemeClr val="tx1">
-                    <a:lumMod val="85000"/>
-                    <a:lumOff val="15000"/>
-                  </a:schemeClr>
-                </a:solidFill>
-              </a:rPr>
-              <a:t> </a:t>
-            </a:r>
-            <a:r>
-              <a:rPr lang="ru-RU" sz="3200" b="1" dirty="0" err="1">
-                <a:solidFill>
-                  <a:schemeClr val="tx1">
-                    <a:lumMod val="85000"/>
-                    <a:lumOff val="15000"/>
-                  </a:schemeClr>
-                </a:solidFill>
-              </a:rPr>
-              <a:t>програмного</a:t>
-            </a:r>
-            <a:r>
-              <a:rPr lang="ru-RU" sz="3200" b="1" dirty="0">
-                <a:solidFill>
-                  <a:schemeClr val="tx1">
-                    <a:lumMod val="85000"/>
-                    <a:lumOff val="15000"/>
-                  </a:schemeClr>
-                </a:solidFill>
-              </a:rPr>
-              <a:t> </a:t>
-            </a:r>
-            <a:r>
-              <a:rPr lang="ru-RU" sz="3200" b="1" dirty="0" err="1">
-                <a:solidFill>
-                  <a:schemeClr val="tx1">
-                    <a:lumMod val="85000"/>
-                    <a:lumOff val="15000"/>
-                  </a:schemeClr>
-                </a:solidFill>
-              </a:rPr>
-              <a:t>забезпечення</a:t>
+              <a:t>Приклад використання програмного продукту</a:t>
             </a:r>
             <a:endParaRPr lang="en-US" sz="3200" dirty="0">
               <a:solidFill>
@@ -6869,156 +6810,42 @@
           </a:p>
         </p:txBody>
       </p:sp>
-      <p:sp>
-        <p:nvSpPr>
-          <p:cNvPr id="9" name="Прямоугольник 8"/>
-          <p:cNvSpPr/>
+      <p:pic>
+        <p:nvPicPr>
+          <p:cNvPr id="4" name="Picture 3">
+            <a:extLst>
+              <a:ext uri="{FF2B5EF4-FFF2-40B4-BE49-F238E27FC236}">
+                <a16:creationId xmlns:a16="http://schemas.microsoft.com/office/drawing/2014/main" id="{C7B97AFE-9129-4674-9ACD-EE802E650FCB}"/>
+              </a:ext>
+            </a:extLst>
+          </p:cNvPr>
+          <p:cNvPicPr>
+            <a:picLocks noChangeAspect="1"/>
+          </p:cNvPicPr>
           <p:nvPr/>
-        </p:nvSpPr>
+        </p:nvPicPr>
+        <p:blipFill>
+          <a:blip r:embed="rId4"/>
+          <a:stretch>
+            <a:fillRect/>
+          </a:stretch>
+        </p:blipFill>
         <p:spPr>
           <a:xfrm>
-            <a:off x="1115616" y="1628800"/>
-            <a:ext cx="7560840" cy="4662815"/>
-          </a:xfrm>
-          <a:prstGeom prst="rect">
-            <a:avLst/>
-          </a:prstGeom>
-        </p:spPr>
-        <p:txBody>
-          <a:bodyPr wrap="square">
-            <a:spAutoFit/>
-          </a:bodyPr>
-          <a:lstStyle/>
-          <a:p>
-            <a:pPr>
-              <a:lnSpc>
-                <a:spcPct val="150000"/>
-              </a:lnSpc>
-              <a:buFont typeface="Arial" pitchFamily="34" charset="0"/>
-              <a:buChar char="•"/>
-            </a:pPr>
-            <a:r>
-              <a:rPr lang="uk-UA" sz="2200" dirty="0">
-                <a:ea typeface="Verdana" pitchFamily="34" charset="0"/>
-                <a:cs typeface="Verdana" pitchFamily="34" charset="0"/>
-              </a:rPr>
-              <a:t>   Простий, інтуїтивно-зрозумілий функціонал.</a:t>
-            </a:r>
-          </a:p>
-          <a:p>
-            <a:pPr>
-              <a:lnSpc>
-                <a:spcPct val="150000"/>
-              </a:lnSpc>
-              <a:buFont typeface="Arial" pitchFamily="34" charset="0"/>
-              <a:buChar char="•"/>
-            </a:pPr>
-            <a:r>
-              <a:rPr lang="uk-UA" sz="2200" dirty="0">
-                <a:ea typeface="Verdana" pitchFamily="34" charset="0"/>
-                <a:cs typeface="Verdana" pitchFamily="34" charset="0"/>
-              </a:rPr>
-              <a:t>   Відсутні реклама та нагромадження інформації.</a:t>
-            </a:r>
-          </a:p>
-          <a:p>
-            <a:pPr>
-              <a:lnSpc>
-                <a:spcPct val="150000"/>
-              </a:lnSpc>
-              <a:buFont typeface="Arial" pitchFamily="34" charset="0"/>
-              <a:buChar char="•"/>
-            </a:pPr>
-            <a:r>
-              <a:rPr lang="uk-UA" sz="2200" dirty="0">
-                <a:ea typeface="Verdana" pitchFamily="34" charset="0"/>
-                <a:cs typeface="Verdana" pitchFamily="34" charset="0"/>
-              </a:rPr>
-              <a:t>   Функціонал та інтерфейс залежать від ролі користувача: адміністратор, клієнт комерційного банку.</a:t>
-            </a:r>
-          </a:p>
-          <a:p>
-            <a:pPr>
-              <a:lnSpc>
-                <a:spcPct val="150000"/>
-              </a:lnSpc>
-              <a:buFont typeface="Arial" pitchFamily="34" charset="0"/>
-              <a:buChar char="•"/>
-            </a:pPr>
-            <a:r>
-              <a:rPr lang="uk-UA" sz="2200" dirty="0">
-                <a:ea typeface="Verdana" pitchFamily="34" charset="0"/>
-                <a:cs typeface="Verdana" pitchFamily="34" charset="0"/>
-              </a:rPr>
-              <a:t>   Безкоштовність.</a:t>
-            </a:r>
-          </a:p>
-          <a:p>
-            <a:pPr>
-              <a:lnSpc>
-                <a:spcPct val="150000"/>
-              </a:lnSpc>
-              <a:buFont typeface="Arial" pitchFamily="34" charset="0"/>
-              <a:buChar char="•"/>
-            </a:pPr>
-            <a:r>
-              <a:rPr lang="uk-UA" sz="2200" dirty="0">
-                <a:ea typeface="Verdana" pitchFamily="34" charset="0"/>
-                <a:cs typeface="Verdana" pitchFamily="34" charset="0"/>
-              </a:rPr>
-              <a:t>   Забезпечення відповідного рівня безпеки даних</a:t>
-            </a:r>
-          </a:p>
-          <a:p>
-            <a:pPr>
-              <a:lnSpc>
-                <a:spcPct val="150000"/>
-              </a:lnSpc>
-              <a:buFont typeface="Arial" pitchFamily="34" charset="0"/>
-              <a:buChar char="•"/>
-            </a:pPr>
-            <a:r>
-              <a:rPr lang="uk-UA" sz="2200" dirty="0">
-                <a:ea typeface="Verdana" pitchFamily="34" charset="0"/>
-                <a:cs typeface="Verdana" pitchFamily="34" charset="0"/>
-              </a:rPr>
-              <a:t>   Поєднання сучасних підходів, технологій </a:t>
-            </a:r>
-            <a:r>
-              <a:rPr lang="uk-UA" sz="2200" dirty="0" err="1">
-                <a:ea typeface="Verdana" pitchFamily="34" charset="0"/>
-                <a:cs typeface="Verdana" pitchFamily="34" charset="0"/>
-              </a:rPr>
-              <a:t>десктопного</a:t>
-            </a:r>
-            <a:r>
-              <a:rPr lang="uk-UA" sz="2200" dirty="0">
-                <a:ea typeface="Verdana" pitchFamily="34" charset="0"/>
-                <a:cs typeface="Verdana" pitchFamily="34" charset="0"/>
-              </a:rPr>
-              <a:t> програмування.</a:t>
-            </a:r>
-          </a:p>
-          <a:p>
-            <a:pPr>
-              <a:lnSpc>
-                <a:spcPct val="150000"/>
-              </a:lnSpc>
-              <a:buFont typeface="Arial" pitchFamily="34" charset="0"/>
-              <a:buChar char="•"/>
-            </a:pPr>
-            <a:r>
-              <a:rPr lang="uk-UA" sz="2200" dirty="0">
-                <a:ea typeface="Verdana" pitchFamily="34" charset="0"/>
-                <a:cs typeface="Verdana" pitchFamily="34" charset="0"/>
-              </a:rPr>
-              <a:t>   Можливість зберігати великі об’єми даних.</a:t>
-            </a:r>
-            <a:endParaRPr lang="ru-RU" sz="2200" dirty="0"/>
-          </a:p>
-        </p:txBody>
-      </p:sp>
+            <a:off x="907541" y="1694761"/>
+            <a:ext cx="7400925" cy="4940002"/>
+          </a:xfrm>
+          <a:prstGeom prst="rect">
+            <a:avLst/>
+          </a:prstGeom>
+        </p:spPr>
+      </p:pic>
     </p:spTree>
+    <p:extLst>
+      <p:ext uri="{BB962C8B-B14F-4D97-AF65-F5344CB8AC3E}">
+        <p14:creationId xmlns:p14="http://schemas.microsoft.com/office/powerpoint/2010/main" val="1324999853"/>
+      </p:ext>
+    </p:extLst>
   </p:cSld>
   <p:clrMapOvr>
     <a:masterClrMapping/>
@@ -7114,6 +6941,546 @@
         </p:nvSpPr>
         <p:spPr>
           <a:xfrm>
+            <a:off x="1403648" y="404664"/>
+            <a:ext cx="6264696" cy="1285884"/>
+          </a:xfrm>
+        </p:spPr>
+        <p:txBody>
+          <a:bodyPr>
+            <a:normAutofit/>
+          </a:bodyPr>
+          <a:lstStyle/>
+          <a:p>
+            <a:r>
+              <a:rPr lang="uk-UA" sz="3200" b="1" dirty="0">
+                <a:solidFill>
+                  <a:schemeClr val="tx1">
+                    <a:lumMod val="85000"/>
+                    <a:lumOff val="15000"/>
+                  </a:schemeClr>
+                </a:solidFill>
+              </a:rPr>
+              <a:t>Забезпечення безпеки програмного продукту</a:t>
+            </a:r>
+            <a:endParaRPr lang="en-US" sz="3200" dirty="0">
+              <a:solidFill>
+                <a:schemeClr val="tx1">
+                  <a:lumMod val="85000"/>
+                  <a:lumOff val="15000"/>
+                </a:schemeClr>
+              </a:solidFill>
+            </a:endParaRPr>
+          </a:p>
+        </p:txBody>
+      </p:sp>
+      <p:pic>
+        <p:nvPicPr>
+          <p:cNvPr id="46082" name="Picture 2"/>
+          <p:cNvPicPr>
+            <a:picLocks noChangeAspect="1" noChangeArrowheads="1"/>
+          </p:cNvPicPr>
+          <p:nvPr/>
+        </p:nvPicPr>
+        <p:blipFill>
+          <a:blip r:embed="rId4" cstate="print"/>
+          <a:srcRect/>
+          <a:stretch>
+            <a:fillRect/>
+          </a:stretch>
+        </p:blipFill>
+        <p:spPr bwMode="auto">
+          <a:xfrm>
+            <a:off x="413284" y="2510050"/>
+            <a:ext cx="8245424" cy="1001303"/>
+          </a:xfrm>
+          <a:prstGeom prst="rect">
+            <a:avLst/>
+          </a:prstGeom>
+          <a:noFill/>
+          <a:ln w="9525">
+            <a:noFill/>
+            <a:miter lim="800000"/>
+            <a:headEnd/>
+            <a:tailEnd/>
+          </a:ln>
+        </p:spPr>
+      </p:pic>
+      <p:pic>
+        <p:nvPicPr>
+          <p:cNvPr id="46084" name="Picture 4" descr="Картинки по запросу rijndael"/>
+          <p:cNvPicPr>
+            <a:picLocks noChangeAspect="1" noChangeArrowheads="1"/>
+          </p:cNvPicPr>
+          <p:nvPr/>
+        </p:nvPicPr>
+        <p:blipFill>
+          <a:blip r:embed="rId5" cstate="print"/>
+          <a:srcRect/>
+          <a:stretch>
+            <a:fillRect/>
+          </a:stretch>
+        </p:blipFill>
+        <p:spPr bwMode="auto">
+          <a:xfrm>
+            <a:off x="2821496" y="4005064"/>
+            <a:ext cx="3429000" cy="2286001"/>
+          </a:xfrm>
+          <a:prstGeom prst="rect">
+            <a:avLst/>
+          </a:prstGeom>
+          <a:noFill/>
+        </p:spPr>
+      </p:pic>
+    </p:spTree>
+  </p:cSld>
+  <p:clrMapOvr>
+    <a:masterClrMapping/>
+  </p:clrMapOvr>
+</p:sld>
+</file>
+
+<file path=ppt/slides/slide24.xml><?xml version="1.0" encoding="utf-8"?>
+<p:sld xmlns:a="http://schemas.openxmlformats.org/drawingml/2006/main" xmlns:r="http://schemas.openxmlformats.org/officeDocument/2006/relationships" xmlns:p="http://schemas.openxmlformats.org/presentationml/2006/main">
+  <p:cSld>
+    <p:spTree>
+      <p:nvGrpSpPr>
+        <p:cNvPr id="1" name=""/>
+        <p:cNvGrpSpPr/>
+        <p:nvPr/>
+      </p:nvGrpSpPr>
+      <p:grpSpPr>
+        <a:xfrm>
+          <a:off x="0" y="0"/>
+          <a:ext cx="0" cy="0"/>
+          <a:chOff x="0" y="0"/>
+          <a:chExt cx="0" cy="0"/>
+        </a:xfrm>
+      </p:grpSpPr>
+      <p:pic>
+        <p:nvPicPr>
+          <p:cNvPr id="6" name="Picture 4" descr="Картинки по запросу bank icon"/>
+          <p:cNvPicPr>
+            <a:picLocks noChangeAspect="1" noChangeArrowheads="1"/>
+          </p:cNvPicPr>
+          <p:nvPr/>
+        </p:nvPicPr>
+        <p:blipFill>
+          <a:blip r:embed="rId2" cstate="print"/>
+          <a:srcRect/>
+          <a:stretch>
+            <a:fillRect/>
+          </a:stretch>
+        </p:blipFill>
+        <p:spPr bwMode="auto">
+          <a:xfrm>
+            <a:off x="7388580" y="188640"/>
+            <a:ext cx="1755420" cy="1700808"/>
+          </a:xfrm>
+          <a:prstGeom prst="rect">
+            <a:avLst/>
+          </a:prstGeom>
+          <a:noFill/>
+        </p:spPr>
+      </p:pic>
+      <p:pic>
+        <p:nvPicPr>
+          <p:cNvPr id="9217" name="Picture 1"/>
+          <p:cNvPicPr>
+            <a:picLocks noChangeAspect="1" noChangeArrowheads="1"/>
+          </p:cNvPicPr>
+          <p:nvPr/>
+        </p:nvPicPr>
+        <p:blipFill>
+          <a:blip r:embed="rId3" cstate="print"/>
+          <a:srcRect/>
+          <a:stretch>
+            <a:fillRect/>
+          </a:stretch>
+        </p:blipFill>
+        <p:spPr bwMode="auto">
+          <a:xfrm>
+            <a:off x="0" y="188640"/>
+            <a:ext cx="1547664" cy="1517243"/>
+          </a:xfrm>
+          <a:prstGeom prst="rect">
+            <a:avLst/>
+          </a:prstGeom>
+          <a:noFill/>
+          <a:ln w="9525">
+            <a:noFill/>
+            <a:miter lim="800000"/>
+            <a:headEnd/>
+            <a:tailEnd/>
+          </a:ln>
+          <a:effectLst/>
+        </p:spPr>
+      </p:pic>
+      <p:sp>
+        <p:nvSpPr>
+          <p:cNvPr id="2" name="Заголовок 1"/>
+          <p:cNvSpPr>
+            <a:spLocks noGrp="1"/>
+          </p:cNvSpPr>
+          <p:nvPr>
+            <p:ph type="ctrTitle"/>
+          </p:nvPr>
+        </p:nvSpPr>
+        <p:spPr>
+          <a:xfrm>
+            <a:off x="1475656" y="188640"/>
+            <a:ext cx="6264696" cy="1285884"/>
+          </a:xfrm>
+        </p:spPr>
+        <p:txBody>
+          <a:bodyPr>
+            <a:normAutofit/>
+          </a:bodyPr>
+          <a:lstStyle/>
+          <a:p>
+            <a:r>
+              <a:rPr lang="ru-RU" sz="3200" b="1" dirty="0" err="1">
+                <a:solidFill>
+                  <a:schemeClr val="tx1">
+                    <a:lumMod val="85000"/>
+                    <a:lumOff val="15000"/>
+                  </a:schemeClr>
+                </a:solidFill>
+              </a:rPr>
+              <a:t>Позитивні</a:t>
+            </a:r>
+            <a:r>
+              <a:rPr lang="ru-RU" sz="3200" b="1" dirty="0">
+                <a:solidFill>
+                  <a:schemeClr val="tx1">
+                    <a:lumMod val="85000"/>
+                    <a:lumOff val="15000"/>
+                  </a:schemeClr>
+                </a:solidFill>
+              </a:rPr>
+              <a:t> </a:t>
+            </a:r>
+            <a:r>
+              <a:rPr lang="ru-RU" sz="3200" b="1" dirty="0" err="1">
+                <a:solidFill>
+                  <a:schemeClr val="tx1">
+                    <a:lumMod val="85000"/>
+                    <a:lumOff val="15000"/>
+                  </a:schemeClr>
+                </a:solidFill>
+              </a:rPr>
+              <a:t>сторони</a:t>
+            </a:r>
+            <a:r>
+              <a:rPr lang="ru-RU" sz="3200" b="1" dirty="0">
+                <a:solidFill>
+                  <a:schemeClr val="tx1">
+                    <a:lumMod val="85000"/>
+                    <a:lumOff val="15000"/>
+                  </a:schemeClr>
+                </a:solidFill>
+              </a:rPr>
+              <a:t> </a:t>
+            </a:r>
+            <a:r>
+              <a:rPr lang="ru-RU" sz="3200" b="1" dirty="0" err="1">
+                <a:solidFill>
+                  <a:schemeClr val="tx1">
+                    <a:lumMod val="85000"/>
+                    <a:lumOff val="15000"/>
+                  </a:schemeClr>
+                </a:solidFill>
+              </a:rPr>
+              <a:t>програмного</a:t>
+            </a:r>
+            <a:r>
+              <a:rPr lang="ru-RU" sz="3200" b="1" dirty="0">
+                <a:solidFill>
+                  <a:schemeClr val="tx1">
+                    <a:lumMod val="85000"/>
+                    <a:lumOff val="15000"/>
+                  </a:schemeClr>
+                </a:solidFill>
+              </a:rPr>
+              <a:t> </a:t>
+            </a:r>
+            <a:r>
+              <a:rPr lang="ru-RU" sz="3200" b="1" dirty="0" err="1">
+                <a:solidFill>
+                  <a:schemeClr val="tx1">
+                    <a:lumMod val="85000"/>
+                    <a:lumOff val="15000"/>
+                  </a:schemeClr>
+                </a:solidFill>
+              </a:rPr>
+              <a:t>забезпечення</a:t>
+            </a:r>
+            <a:endParaRPr lang="en-US" sz="3200" dirty="0">
+              <a:solidFill>
+                <a:schemeClr val="tx1">
+                  <a:lumMod val="85000"/>
+                  <a:lumOff val="15000"/>
+                </a:schemeClr>
+              </a:solidFill>
+            </a:endParaRPr>
+          </a:p>
+        </p:txBody>
+      </p:sp>
+      <p:sp>
+        <p:nvSpPr>
+          <p:cNvPr id="9" name="Прямоугольник 8"/>
+          <p:cNvSpPr/>
+          <p:nvPr/>
+        </p:nvSpPr>
+        <p:spPr>
+          <a:xfrm>
+            <a:off x="1115616" y="1628800"/>
+            <a:ext cx="7560840" cy="4662815"/>
+          </a:xfrm>
+          <a:prstGeom prst="rect">
+            <a:avLst/>
+          </a:prstGeom>
+        </p:spPr>
+        <p:txBody>
+          <a:bodyPr wrap="square">
+            <a:spAutoFit/>
+          </a:bodyPr>
+          <a:lstStyle/>
+          <a:p>
+            <a:pPr>
+              <a:lnSpc>
+                <a:spcPct val="150000"/>
+              </a:lnSpc>
+              <a:buFont typeface="Arial" pitchFamily="34" charset="0"/>
+              <a:buChar char="•"/>
+            </a:pPr>
+            <a:r>
+              <a:rPr lang="uk-UA" sz="2200" dirty="0">
+                <a:ea typeface="Verdana" pitchFamily="34" charset="0"/>
+                <a:cs typeface="Verdana" pitchFamily="34" charset="0"/>
+              </a:rPr>
+              <a:t>   Простий, інтуїтивно-зрозумілий функціонал.</a:t>
+            </a:r>
+          </a:p>
+          <a:p>
+            <a:pPr>
+              <a:lnSpc>
+                <a:spcPct val="150000"/>
+              </a:lnSpc>
+              <a:buFont typeface="Arial" pitchFamily="34" charset="0"/>
+              <a:buChar char="•"/>
+            </a:pPr>
+            <a:r>
+              <a:rPr lang="uk-UA" sz="2200" dirty="0">
+                <a:ea typeface="Verdana" pitchFamily="34" charset="0"/>
+                <a:cs typeface="Verdana" pitchFamily="34" charset="0"/>
+              </a:rPr>
+              <a:t>   Відсутні реклама та нагромадження інформації.</a:t>
+            </a:r>
+          </a:p>
+          <a:p>
+            <a:pPr>
+              <a:lnSpc>
+                <a:spcPct val="150000"/>
+              </a:lnSpc>
+              <a:buFont typeface="Arial" pitchFamily="34" charset="0"/>
+              <a:buChar char="•"/>
+            </a:pPr>
+            <a:r>
+              <a:rPr lang="uk-UA" sz="2200" dirty="0">
+                <a:ea typeface="Verdana" pitchFamily="34" charset="0"/>
+                <a:cs typeface="Verdana" pitchFamily="34" charset="0"/>
+              </a:rPr>
+              <a:t>   Функціонал та інтерфейс залежать від ролі користувача: адміністратор, клієнт комерційного банку.</a:t>
+            </a:r>
+          </a:p>
+          <a:p>
+            <a:pPr>
+              <a:lnSpc>
+                <a:spcPct val="150000"/>
+              </a:lnSpc>
+              <a:buFont typeface="Arial" pitchFamily="34" charset="0"/>
+              <a:buChar char="•"/>
+            </a:pPr>
+            <a:r>
+              <a:rPr lang="uk-UA" sz="2200" dirty="0">
+                <a:ea typeface="Verdana" pitchFamily="34" charset="0"/>
+                <a:cs typeface="Verdana" pitchFamily="34" charset="0"/>
+              </a:rPr>
+              <a:t>   Безкоштовність.</a:t>
+            </a:r>
+          </a:p>
+          <a:p>
+            <a:pPr>
+              <a:lnSpc>
+                <a:spcPct val="150000"/>
+              </a:lnSpc>
+              <a:buFont typeface="Arial" pitchFamily="34" charset="0"/>
+              <a:buChar char="•"/>
+            </a:pPr>
+            <a:r>
+              <a:rPr lang="uk-UA" sz="2200" dirty="0">
+                <a:ea typeface="Verdana" pitchFamily="34" charset="0"/>
+                <a:cs typeface="Verdana" pitchFamily="34" charset="0"/>
+              </a:rPr>
+              <a:t>   Забезпечення відповідного рівня безпеки даних</a:t>
+            </a:r>
+            <a:r>
+              <a:rPr lang="en-US" sz="2200" dirty="0">
+                <a:ea typeface="Verdana" pitchFamily="34" charset="0"/>
+                <a:cs typeface="Verdana" pitchFamily="34" charset="0"/>
+              </a:rPr>
+              <a:t>.</a:t>
+            </a:r>
+            <a:endParaRPr lang="uk-UA" sz="2200" dirty="0">
+              <a:ea typeface="Verdana" pitchFamily="34" charset="0"/>
+              <a:cs typeface="Verdana" pitchFamily="34" charset="0"/>
+            </a:endParaRPr>
+          </a:p>
+          <a:p>
+            <a:pPr>
+              <a:lnSpc>
+                <a:spcPct val="150000"/>
+              </a:lnSpc>
+              <a:buFont typeface="Arial" pitchFamily="34" charset="0"/>
+              <a:buChar char="•"/>
+            </a:pPr>
+            <a:r>
+              <a:rPr lang="uk-UA" sz="2200" dirty="0">
+                <a:ea typeface="Verdana" pitchFamily="34" charset="0"/>
+                <a:cs typeface="Verdana" pitchFamily="34" charset="0"/>
+              </a:rPr>
+              <a:t>   Поєднання сучасних підходів, технологій </a:t>
+            </a:r>
+            <a:r>
+              <a:rPr lang="uk-UA" sz="2200" dirty="0" err="1">
+                <a:ea typeface="Verdana" pitchFamily="34" charset="0"/>
+                <a:cs typeface="Verdana" pitchFamily="34" charset="0"/>
+              </a:rPr>
+              <a:t>десктопного</a:t>
+            </a:r>
+            <a:r>
+              <a:rPr lang="uk-UA" sz="2200" dirty="0">
+                <a:ea typeface="Verdana" pitchFamily="34" charset="0"/>
+                <a:cs typeface="Verdana" pitchFamily="34" charset="0"/>
+              </a:rPr>
+              <a:t> програмування.</a:t>
+            </a:r>
+          </a:p>
+          <a:p>
+            <a:pPr>
+              <a:lnSpc>
+                <a:spcPct val="150000"/>
+              </a:lnSpc>
+              <a:buFont typeface="Arial" pitchFamily="34" charset="0"/>
+              <a:buChar char="•"/>
+            </a:pPr>
+            <a:r>
+              <a:rPr lang="uk-UA" sz="2200" dirty="0">
+                <a:ea typeface="Verdana" pitchFamily="34" charset="0"/>
+                <a:cs typeface="Verdana" pitchFamily="34" charset="0"/>
+              </a:rPr>
+              <a:t>   Можливість зберігати великі об’єми даних.</a:t>
+            </a:r>
+            <a:endParaRPr lang="ru-RU" sz="2200" dirty="0"/>
+          </a:p>
+        </p:txBody>
+      </p:sp>
+    </p:spTree>
+  </p:cSld>
+  <p:clrMapOvr>
+    <a:masterClrMapping/>
+  </p:clrMapOvr>
+</p:sld>
+</file>
+
+<file path=ppt/slides/slide25.xml><?xml version="1.0" encoding="utf-8"?>
+<p:sld xmlns:a="http://schemas.openxmlformats.org/drawingml/2006/main" xmlns:r="http://schemas.openxmlformats.org/officeDocument/2006/relationships" xmlns:p="http://schemas.openxmlformats.org/presentationml/2006/main">
+  <p:cSld>
+    <p:spTree>
+      <p:nvGrpSpPr>
+        <p:cNvPr id="1" name=""/>
+        <p:cNvGrpSpPr/>
+        <p:nvPr/>
+      </p:nvGrpSpPr>
+      <p:grpSpPr>
+        <a:xfrm>
+          <a:off x="0" y="0"/>
+          <a:ext cx="0" cy="0"/>
+          <a:chOff x="0" y="0"/>
+          <a:chExt cx="0" cy="0"/>
+        </a:xfrm>
+      </p:grpSpPr>
+      <p:pic>
+        <p:nvPicPr>
+          <p:cNvPr id="6" name="Picture 4" descr="Картинки по запросу bank icon"/>
+          <p:cNvPicPr>
+            <a:picLocks noChangeAspect="1" noChangeArrowheads="1"/>
+          </p:cNvPicPr>
+          <p:nvPr/>
+        </p:nvPicPr>
+        <p:blipFill>
+          <a:blip r:embed="rId2" cstate="print"/>
+          <a:srcRect/>
+          <a:stretch>
+            <a:fillRect/>
+          </a:stretch>
+        </p:blipFill>
+        <p:spPr bwMode="auto">
+          <a:xfrm>
+            <a:off x="7388580" y="188640"/>
+            <a:ext cx="1755420" cy="1700808"/>
+          </a:xfrm>
+          <a:prstGeom prst="rect">
+            <a:avLst/>
+          </a:prstGeom>
+          <a:noFill/>
+        </p:spPr>
+      </p:pic>
+      <p:pic>
+        <p:nvPicPr>
+          <p:cNvPr id="9217" name="Picture 1"/>
+          <p:cNvPicPr>
+            <a:picLocks noChangeAspect="1" noChangeArrowheads="1"/>
+          </p:cNvPicPr>
+          <p:nvPr/>
+        </p:nvPicPr>
+        <p:blipFill>
+          <a:blip r:embed="rId3" cstate="print"/>
+          <a:srcRect/>
+          <a:stretch>
+            <a:fillRect/>
+          </a:stretch>
+        </p:blipFill>
+        <p:spPr bwMode="auto">
+          <a:xfrm>
+            <a:off x="0" y="188640"/>
+            <a:ext cx="1547664" cy="1517243"/>
+          </a:xfrm>
+          <a:prstGeom prst="rect">
+            <a:avLst/>
+          </a:prstGeom>
+          <a:noFill/>
+          <a:ln w="9525">
+            <a:noFill/>
+            <a:miter lim="800000"/>
+            <a:headEnd/>
+            <a:tailEnd/>
+          </a:ln>
+          <a:effectLst/>
+        </p:spPr>
+      </p:pic>
+      <p:sp>
+        <p:nvSpPr>
+          <p:cNvPr id="2" name="Заголовок 1"/>
+          <p:cNvSpPr>
+            <a:spLocks noGrp="1"/>
+          </p:cNvSpPr>
+          <p:nvPr>
+            <p:ph type="ctrTitle"/>
+          </p:nvPr>
+        </p:nvSpPr>
+        <p:spPr>
+          <a:xfrm>
             <a:off x="1475656" y="188640"/>
             <a:ext cx="6264696" cy="1285884"/>
           </a:xfrm>
@@ -7227,7 +7594,7 @@
 </p:sld>
 </file>
 
-<file path=ppt/slides/slide24.xml><?xml version="1.0" encoding="utf-8"?>
+<file path=ppt/slides/slide26.xml><?xml version="1.0" encoding="utf-8"?>
 <p:sld xmlns:a="http://schemas.openxmlformats.org/drawingml/2006/main" xmlns:r="http://schemas.openxmlformats.org/officeDocument/2006/relationships" xmlns:p="http://schemas.openxmlformats.org/presentationml/2006/main">
   <p:cSld>
     <p:spTree>
@@ -7676,7 +8043,7 @@
           <a:p>
             <a:r>
               <a:rPr lang="uk-UA" sz="2400" dirty="0"/>
-              <a:t>Інформаційний портал “ </a:t>
+              <a:t>Інформаційний портал “</a:t>
             </a:r>
             <a:r>
               <a:rPr lang="en-US" sz="2400" dirty="0"/>
@@ -9250,52 +9617,9 @@
                   </a:schemeClr>
                 </a:solidFill>
               </a:rPr>
-              <a:t>Діаграма класів</a:t>
-            </a:r>
-            <a:br>
-              <a:rPr lang="uk-UA" sz="3200" b="1" dirty="0">
-                <a:solidFill>
-                  <a:schemeClr val="tx1">
-                    <a:lumMod val="85000"/>
-                    <a:lumOff val="15000"/>
-                  </a:schemeClr>
-                </a:solidFill>
-              </a:rPr>
-            </a:br>
-            <a:r>
-              <a:rPr lang="uk-UA" sz="3200" b="1" dirty="0">
-                <a:solidFill>
-                  <a:schemeClr val="tx1">
-                    <a:lumMod val="85000"/>
-                    <a:lumOff val="15000"/>
-                  </a:schemeClr>
-                </a:solidFill>
-              </a:rPr>
-              <a:t>(</a:t>
-            </a:r>
-            <a:r>
-              <a:rPr lang="en-US" sz="3200" b="1" dirty="0">
-                <a:solidFill>
-                  <a:schemeClr val="tx1">
-                    <a:lumMod val="85000"/>
-                    <a:lumOff val="15000"/>
-                  </a:schemeClr>
-                </a:solidFill>
-              </a:rPr>
-              <a:t>WCF </a:t>
-            </a:r>
-            <a:r>
-              <a:rPr lang="uk-UA" sz="3200" b="1" dirty="0">
-                <a:solidFill>
-                  <a:schemeClr val="tx1">
-                    <a:lumMod val="85000"/>
-                    <a:lumOff val="15000"/>
-                  </a:schemeClr>
-                </a:solidFill>
-              </a:rPr>
-              <a:t>сервісу)</a:t>
-            </a:r>
-            <a:endParaRPr lang="en-US" sz="3200" dirty="0">
+              <a:t>Модель «сутність — зв'язок»</a:t>
+            </a:r>
+            <a:endParaRPr lang="en-US" sz="3200" b="1" dirty="0">
               <a:solidFill>
                 <a:schemeClr val="tx1">
                   <a:lumMod val="85000"/>
@@ -9306,22 +9630,148 @@
           </a:p>
         </p:txBody>
       </p:sp>
+      <p:sp>
+        <p:nvSpPr>
+          <p:cNvPr id="30722" name="AutoShape 2" descr="Картинки по запросу linq"/>
+          <p:cNvSpPr>
+            <a:spLocks noChangeAspect="1" noChangeArrowheads="1"/>
+          </p:cNvSpPr>
+          <p:nvPr/>
+        </p:nvSpPr>
+        <p:spPr bwMode="auto">
+          <a:xfrm>
+            <a:off x="155575" y="-144463"/>
+            <a:ext cx="304800" cy="304801"/>
+          </a:xfrm>
+          <a:prstGeom prst="rect">
+            <a:avLst/>
+          </a:prstGeom>
+          <a:noFill/>
+        </p:spPr>
+        <p:txBody>
+          <a:bodyPr vert="horz" wrap="square" lIns="91440" tIns="45720" rIns="91440" bIns="45720" numCol="1" anchor="t" anchorCtr="0" compatLnSpc="1">
+            <a:prstTxWarp prst="textNoShape">
+              <a:avLst/>
+            </a:prstTxWarp>
+          </a:bodyPr>
+          <a:lstStyle/>
+          <a:p>
+            <a:endParaRPr lang="ru-RU"/>
+          </a:p>
+        </p:txBody>
+      </p:sp>
+      <p:sp>
+        <p:nvSpPr>
+          <p:cNvPr id="30724" name="AutoShape 4" descr="Картинки по запросу linq"/>
+          <p:cNvSpPr>
+            <a:spLocks noChangeAspect="1" noChangeArrowheads="1"/>
+          </p:cNvSpPr>
+          <p:nvPr/>
+        </p:nvSpPr>
+        <p:spPr bwMode="auto">
+          <a:xfrm>
+            <a:off x="155575" y="-144463"/>
+            <a:ext cx="304800" cy="304801"/>
+          </a:xfrm>
+          <a:prstGeom prst="rect">
+            <a:avLst/>
+          </a:prstGeom>
+          <a:noFill/>
+        </p:spPr>
+        <p:txBody>
+          <a:bodyPr vert="horz" wrap="square" lIns="91440" tIns="45720" rIns="91440" bIns="45720" numCol="1" anchor="t" anchorCtr="0" compatLnSpc="1">
+            <a:prstTxWarp prst="textNoShape">
+              <a:avLst/>
+            </a:prstTxWarp>
+          </a:bodyPr>
+          <a:lstStyle/>
+          <a:p>
+            <a:endParaRPr lang="ru-RU"/>
+          </a:p>
+        </p:txBody>
+      </p:sp>
+      <p:sp>
+        <p:nvSpPr>
+          <p:cNvPr id="30728" name="AutoShape 8" descr="Картинки по запросу ms sql server 2012"/>
+          <p:cNvSpPr>
+            <a:spLocks noChangeAspect="1" noChangeArrowheads="1"/>
+          </p:cNvSpPr>
+          <p:nvPr/>
+        </p:nvSpPr>
+        <p:spPr bwMode="auto">
+          <a:xfrm>
+            <a:off x="155575" y="-144463"/>
+            <a:ext cx="304800" cy="304801"/>
+          </a:xfrm>
+          <a:prstGeom prst="rect">
+            <a:avLst/>
+          </a:prstGeom>
+          <a:noFill/>
+        </p:spPr>
+        <p:txBody>
+          <a:bodyPr vert="horz" wrap="square" lIns="91440" tIns="45720" rIns="91440" bIns="45720" numCol="1" anchor="t" anchorCtr="0" compatLnSpc="1">
+            <a:prstTxWarp prst="textNoShape">
+              <a:avLst/>
+            </a:prstTxWarp>
+          </a:bodyPr>
+          <a:lstStyle/>
+          <a:p>
+            <a:endParaRPr lang="ru-RU"/>
+          </a:p>
+        </p:txBody>
+      </p:sp>
+      <p:sp>
+        <p:nvSpPr>
+          <p:cNvPr id="30730" name="AutoShape 10" descr="Картинки по запросу ms sql server 2012"/>
+          <p:cNvSpPr>
+            <a:spLocks noChangeAspect="1" noChangeArrowheads="1"/>
+          </p:cNvSpPr>
+          <p:nvPr/>
+        </p:nvSpPr>
+        <p:spPr bwMode="auto">
+          <a:xfrm>
+            <a:off x="155575" y="-144463"/>
+            <a:ext cx="304800" cy="304801"/>
+          </a:xfrm>
+          <a:prstGeom prst="rect">
+            <a:avLst/>
+          </a:prstGeom>
+          <a:noFill/>
+        </p:spPr>
+        <p:txBody>
+          <a:bodyPr vert="horz" wrap="square" lIns="91440" tIns="45720" rIns="91440" bIns="45720" numCol="1" anchor="t" anchorCtr="0" compatLnSpc="1">
+            <a:prstTxWarp prst="textNoShape">
+              <a:avLst/>
+            </a:prstTxWarp>
+          </a:bodyPr>
+          <a:lstStyle/>
+          <a:p>
+            <a:endParaRPr lang="ru-RU"/>
+          </a:p>
+        </p:txBody>
+      </p:sp>
       <p:pic>
         <p:nvPicPr>
-          <p:cNvPr id="5" name="Picture 6"/>
+          <p:cNvPr id="14" name="Picture 13">
+            <a:extLst>
+              <a:ext uri="{FF2B5EF4-FFF2-40B4-BE49-F238E27FC236}">
+                <a16:creationId xmlns:a16="http://schemas.microsoft.com/office/drawing/2014/main" id="{3951C7B0-8850-4078-ADE7-ACED80849298}"/>
+              </a:ext>
+            </a:extLst>
+          </p:cNvPr>
           <p:cNvPicPr/>
           <p:nvPr/>
         </p:nvPicPr>
         <p:blipFill>
-          <a:blip r:embed="rId4" cstate="print"/>
+          <a:blip r:embed="rId4"/>
           <a:stretch>
             <a:fillRect/>
           </a:stretch>
         </p:blipFill>
         <p:spPr>
           <a:xfrm>
-            <a:off x="1331640" y="1988840"/>
-            <a:ext cx="6624736" cy="4320480"/>
+            <a:off x="1331640" y="1917750"/>
+            <a:ext cx="7200799" cy="4716581"/>
           </a:xfrm>
           <a:prstGeom prst="rect">
             <a:avLst/>
@@ -9329,6 +9779,11 @@
         </p:spPr>
       </p:pic>
     </p:spTree>
+    <p:extLst>
+      <p:ext uri="{BB962C8B-B14F-4D97-AF65-F5344CB8AC3E}">
+        <p14:creationId xmlns:p14="http://schemas.microsoft.com/office/powerpoint/2010/main" val="897665033"/>
+      </p:ext>
+    </p:extLst>
   </p:cSld>
   <p:clrMapOvr>
     <a:masterClrMapping/>
